--- a/Lail Otimização.pptx
+++ b/Lail Otimização.pptx
@@ -6698,17 +6698,34 @@
               <a:buChar char=""/>
             </a:pPr>
             <a:r>
+              <a:rPr lang="pt-BR" sz="1800" dirty="0" smtClean="0">
+                <a:latin typeface="Calibri" panose="020F0502020204030204" pitchFamily="34" charset="0"/>
+                <a:ea typeface="Calibri" panose="020F0502020204030204" pitchFamily="34" charset="0"/>
+                <a:cs typeface="Times New Roman" panose="02020603050405020304" pitchFamily="18" charset="0"/>
+              </a:rPr>
+              <a:t>O software i</a:t>
+            </a:r>
+            <a:r>
+              <a:rPr lang="pt-BR" sz="1800" dirty="0" smtClean="0">
+                <a:effectLst/>
+                <a:latin typeface="Calibri" panose="020F0502020204030204" pitchFamily="34" charset="0"/>
+                <a:ea typeface="Calibri" panose="020F0502020204030204" pitchFamily="34" charset="0"/>
+                <a:cs typeface="Times New Roman" panose="02020603050405020304" pitchFamily="18" charset="0"/>
+              </a:rPr>
+              <a:t>rá </a:t>
+            </a:r>
+            <a:r>
               <a:rPr lang="pt-BR" sz="1800" dirty="0">
                 <a:effectLst/>
                 <a:latin typeface="Calibri" panose="020F0502020204030204" pitchFamily="34" charset="0"/>
                 <a:ea typeface="Calibri" panose="020F0502020204030204" pitchFamily="34" charset="0"/>
                 <a:cs typeface="Times New Roman" panose="02020603050405020304" pitchFamily="18" charset="0"/>
               </a:rPr>
-              <a:t>Ira captar informações importantes para a negociação.</a:t>
-            </a:r>
-          </a:p>
-          <a:p>
-            <a:pPr marL="342900" lvl="0" indent="-342900">
+              <a:t>captar informações importantes para a negociação.</a:t>
+            </a:r>
+          </a:p>
+          <a:p>
+            <a:pPr lvl="0">
               <a:lnSpc>
                 <a:spcPct val="107000"/>
               </a:lnSpc>
@@ -6717,16 +6734,48 @@
             </a:pPr>
             <a:r>
               <a:rPr lang="pt-BR" sz="1800" dirty="0">
+                <a:latin typeface="Calibri" panose="020F0502020204030204" pitchFamily="34" charset="0"/>
+                <a:ea typeface="Calibri" panose="020F0502020204030204" pitchFamily="34" charset="0"/>
+                <a:cs typeface="Times New Roman" panose="02020603050405020304" pitchFamily="18" charset="0"/>
+              </a:rPr>
+              <a:t>O software </a:t>
+            </a:r>
+            <a:r>
+              <a:rPr lang="pt-BR" sz="1800" dirty="0" smtClean="0">
+                <a:latin typeface="Calibri" panose="020F0502020204030204" pitchFamily="34" charset="0"/>
+                <a:ea typeface="Calibri" panose="020F0502020204030204" pitchFamily="34" charset="0"/>
+                <a:cs typeface="Times New Roman" panose="02020603050405020304" pitchFamily="18" charset="0"/>
+              </a:rPr>
+              <a:t>irá </a:t>
+            </a:r>
+            <a:r>
+              <a:rPr lang="pt-BR" sz="1800" dirty="0">
+                <a:latin typeface="Calibri" panose="020F0502020204030204" pitchFamily="34" charset="0"/>
+                <a:ea typeface="Calibri" panose="020F0502020204030204" pitchFamily="34" charset="0"/>
+                <a:cs typeface="Times New Roman" panose="02020603050405020304" pitchFamily="18" charset="0"/>
+              </a:rPr>
+              <a:t>g</a:t>
+            </a:r>
+            <a:r>
+              <a:rPr lang="pt-BR" sz="1800" dirty="0" smtClean="0">
+                <a:latin typeface="Calibri" panose="020F0502020204030204" pitchFamily="34" charset="0"/>
+                <a:ea typeface="Calibri" panose="020F0502020204030204" pitchFamily="34" charset="0"/>
+                <a:cs typeface="Times New Roman" panose="02020603050405020304" pitchFamily="18" charset="0"/>
+              </a:rPr>
+              <a:t>erar </a:t>
+            </a:r>
+            <a:r>
+              <a:rPr lang="pt-BR" sz="1800" dirty="0">
                 <a:effectLst/>
                 <a:latin typeface="Calibri" panose="020F0502020204030204" pitchFamily="34" charset="0"/>
                 <a:ea typeface="Calibri" panose="020F0502020204030204" pitchFamily="34" charset="0"/>
                 <a:cs typeface="Times New Roman" panose="02020603050405020304" pitchFamily="18" charset="0"/>
               </a:rPr>
-              <a:t>Gerar relatórios para controle da empresa</a:t>
-            </a:r>
-          </a:p>
-          <a:p>
-            <a:pPr marL="342900" lvl="0" indent="-342900">
+              <a:t>relatórios para controle da empresa</a:t>
+            </a:r>
+          </a:p>
+          <a:p>
+            <a:pPr lvl="0">
               <a:lnSpc>
                 <a:spcPct val="107000"/>
               </a:lnSpc>
@@ -6735,16 +6784,32 @@
             </a:pPr>
             <a:r>
               <a:rPr lang="pt-BR" sz="1800" dirty="0">
+                <a:latin typeface="Calibri" panose="020F0502020204030204" pitchFamily="34" charset="0"/>
+                <a:ea typeface="Calibri" panose="020F0502020204030204" pitchFamily="34" charset="0"/>
+                <a:cs typeface="Times New Roman" panose="02020603050405020304" pitchFamily="18" charset="0"/>
+              </a:rPr>
+              <a:t>O software </a:t>
+            </a:r>
+            <a:r>
+              <a:rPr lang="pt-BR" sz="1800" dirty="0" smtClean="0">
+                <a:latin typeface="Calibri" panose="020F0502020204030204" pitchFamily="34" charset="0"/>
+                <a:ea typeface="Calibri" panose="020F0502020204030204" pitchFamily="34" charset="0"/>
+                <a:cs typeface="Times New Roman" panose="02020603050405020304" pitchFamily="18" charset="0"/>
+              </a:rPr>
+              <a:t>irá alterar </a:t>
+            </a:r>
+            <a:r>
+              <a:rPr lang="pt-BR" sz="1800" dirty="0">
                 <a:effectLst/>
                 <a:latin typeface="Calibri" panose="020F0502020204030204" pitchFamily="34" charset="0"/>
                 <a:ea typeface="Calibri" panose="020F0502020204030204" pitchFamily="34" charset="0"/>
                 <a:cs typeface="Times New Roman" panose="02020603050405020304" pitchFamily="18" charset="0"/>
               </a:rPr>
-              <a:t>Alterar os status da negociação</a:t>
-            </a:r>
-          </a:p>
-          <a:p>
-            <a:pPr marL="342900" lvl="0" indent="-342900">
+              <a:t>os status da negociação</a:t>
+            </a:r>
+          </a:p>
+          <a:p>
+            <a:pPr lvl="0">
               <a:lnSpc>
                 <a:spcPct val="107000"/>
               </a:lnSpc>
@@ -6756,25 +6821,20 @@
             </a:pPr>
             <a:r>
               <a:rPr lang="pt-BR" sz="1800" dirty="0">
-                <a:effectLst/>
                 <a:latin typeface="Calibri" panose="020F0502020204030204" pitchFamily="34" charset="0"/>
                 <a:ea typeface="Calibri" panose="020F0502020204030204" pitchFamily="34" charset="0"/>
                 <a:cs typeface="Times New Roman" panose="02020603050405020304" pitchFamily="18" charset="0"/>
               </a:rPr>
-              <a:t>Histórico de atendimento</a:t>
-            </a:r>
-          </a:p>
-          <a:p>
-            <a:pPr marL="342900" lvl="0" indent="-342900">
-              <a:lnSpc>
-                <a:spcPct val="107000"/>
-              </a:lnSpc>
-              <a:spcAft>
-                <a:spcPts val="800"/>
-              </a:spcAft>
-              <a:buFont typeface="Symbol" panose="05050102010706020507" pitchFamily="18" charset="2"/>
-              <a:buChar char=""/>
-            </a:pPr>
+              <a:t>O software </a:t>
+            </a:r>
+            <a:r>
+              <a:rPr lang="pt-BR" sz="1800" dirty="0" smtClean="0">
+                <a:latin typeface="Calibri" panose="020F0502020204030204" pitchFamily="34" charset="0"/>
+                <a:ea typeface="Calibri" panose="020F0502020204030204" pitchFamily="34" charset="0"/>
+                <a:cs typeface="Times New Roman" panose="02020603050405020304" pitchFamily="18" charset="0"/>
+              </a:rPr>
+              <a:t>irá fornecer histórico </a:t>
+            </a:r>
             <a:r>
               <a:rPr lang="pt-BR" sz="1800" dirty="0">
                 <a:effectLst/>
@@ -6782,7 +6842,7 @@
                 <a:ea typeface="Calibri" panose="020F0502020204030204" pitchFamily="34" charset="0"/>
                 <a:cs typeface="Times New Roman" panose="02020603050405020304" pitchFamily="18" charset="0"/>
               </a:rPr>
-              <a:t>Agilidade e precisão ao cliente</a:t>
+              <a:t>de atendimento</a:t>
             </a:r>
           </a:p>
           <a:p>
@@ -6887,13 +6947,65 @@
               <a:buChar char=""/>
             </a:pPr>
             <a:r>
+              <a:rPr lang="pt-BR" sz="1800" dirty="0" smtClean="0">
+                <a:effectLst/>
+                <a:latin typeface="Calibri" panose="020F0502020204030204" pitchFamily="34" charset="0"/>
+                <a:ea typeface="Calibri" panose="020F0502020204030204" pitchFamily="34" charset="0"/>
+                <a:cs typeface="Times New Roman" panose="02020603050405020304" pitchFamily="18" charset="0"/>
+              </a:rPr>
+              <a:t>O software terá o funcionamento </a:t>
+            </a:r>
+            <a:r>
               <a:rPr lang="pt-BR" sz="1800" dirty="0">
                 <a:effectLst/>
                 <a:latin typeface="Calibri" panose="020F0502020204030204" pitchFamily="34" charset="0"/>
                 <a:ea typeface="Calibri" panose="020F0502020204030204" pitchFamily="34" charset="0"/>
                 <a:cs typeface="Times New Roman" panose="02020603050405020304" pitchFamily="18" charset="0"/>
               </a:rPr>
-              <a:t>Funcionamento 24h</a:t>
+              <a:t>24h</a:t>
+            </a:r>
+          </a:p>
+          <a:p>
+            <a:pPr lvl="0">
+              <a:lnSpc>
+                <a:spcPct val="107000"/>
+              </a:lnSpc>
+              <a:buFont typeface="Symbol" panose="05050102010706020507" pitchFamily="18" charset="2"/>
+              <a:buChar char=""/>
+            </a:pPr>
+            <a:r>
+              <a:rPr lang="pt-BR" sz="1800" dirty="0">
+                <a:latin typeface="Calibri" panose="020F0502020204030204" pitchFamily="34" charset="0"/>
+                <a:ea typeface="Calibri" panose="020F0502020204030204" pitchFamily="34" charset="0"/>
+                <a:cs typeface="Times New Roman" panose="02020603050405020304" pitchFamily="18" charset="0"/>
+              </a:rPr>
+              <a:t>O software </a:t>
+            </a:r>
+            <a:r>
+              <a:rPr lang="pt-BR" sz="1800" dirty="0" smtClean="0">
+                <a:latin typeface="Calibri" panose="020F0502020204030204" pitchFamily="34" charset="0"/>
+                <a:ea typeface="Calibri" panose="020F0502020204030204" pitchFamily="34" charset="0"/>
+                <a:cs typeface="Times New Roman" panose="02020603050405020304" pitchFamily="18" charset="0"/>
+              </a:rPr>
+              <a:t>irá rodar </a:t>
+            </a:r>
+            <a:r>
+              <a:rPr lang="pt-BR" sz="1800" dirty="0" smtClean="0">
+                <a:effectLst/>
+                <a:latin typeface="Calibri" panose="020F0502020204030204" pitchFamily="34" charset="0"/>
+                <a:ea typeface="Calibri" panose="020F0502020204030204" pitchFamily="34" charset="0"/>
+                <a:cs typeface="Times New Roman" panose="02020603050405020304" pitchFamily="18" charset="0"/>
+              </a:rPr>
+              <a:t>em </a:t>
+            </a:r>
+            <a:r>
+              <a:rPr lang="pt-BR" sz="1800" dirty="0">
+                <a:effectLst/>
+                <a:latin typeface="Calibri" panose="020F0502020204030204" pitchFamily="34" charset="0"/>
+                <a:ea typeface="Calibri" panose="020F0502020204030204" pitchFamily="34" charset="0"/>
+                <a:cs typeface="Times New Roman" panose="02020603050405020304" pitchFamily="18" charset="0"/>
+              </a:rPr>
+              <a:t>qualquer plataforma</a:t>
             </a:r>
           </a:p>
           <a:p>
@@ -6905,14 +7017,46 @@
               <a:buChar char=""/>
             </a:pPr>
             <a:r>
+              <a:rPr lang="pt-BR" sz="1800" dirty="0" smtClean="0">
+                <a:latin typeface="Calibri" panose="020F0502020204030204" pitchFamily="34" charset="0"/>
+                <a:ea typeface="Calibri" panose="020F0502020204030204" pitchFamily="34" charset="0"/>
+                <a:cs typeface="Times New Roman" panose="02020603050405020304" pitchFamily="18" charset="0"/>
+              </a:rPr>
+              <a:t>Velocidade</a:t>
+            </a:r>
+            <a:r>
+              <a:rPr lang="pt-BR" sz="1800" dirty="0" smtClean="0">
+                <a:effectLst/>
+                <a:latin typeface="Calibri" panose="020F0502020204030204" pitchFamily="34" charset="0"/>
+                <a:ea typeface="Calibri" panose="020F0502020204030204" pitchFamily="34" charset="0"/>
+                <a:cs typeface="Times New Roman" panose="02020603050405020304" pitchFamily="18" charset="0"/>
+              </a:rPr>
+              <a:t> </a:t>
+            </a:r>
+            <a:r>
               <a:rPr lang="pt-BR" sz="1800" dirty="0">
                 <a:effectLst/>
                 <a:latin typeface="Calibri" panose="020F0502020204030204" pitchFamily="34" charset="0"/>
                 <a:ea typeface="Calibri" panose="020F0502020204030204" pitchFamily="34" charset="0"/>
                 <a:cs typeface="Times New Roman" panose="02020603050405020304" pitchFamily="18" charset="0"/>
               </a:rPr>
-              <a:t>Localização do cliente</a:t>
-            </a:r>
+              <a:t>de execução </a:t>
+            </a:r>
+            <a:r>
+              <a:rPr lang="pt-BR" sz="1800" dirty="0" smtClean="0">
+                <a:effectLst/>
+                <a:latin typeface="Calibri" panose="020F0502020204030204" pitchFamily="34" charset="0"/>
+                <a:ea typeface="Calibri" panose="020F0502020204030204" pitchFamily="34" charset="0"/>
+                <a:cs typeface="Times New Roman" panose="02020603050405020304" pitchFamily="18" charset="0"/>
+              </a:rPr>
+              <a:t>do software</a:t>
+            </a:r>
+            <a:endParaRPr lang="pt-BR" sz="1800" dirty="0">
+              <a:effectLst/>
+              <a:latin typeface="Calibri" panose="020F0502020204030204" pitchFamily="34" charset="0"/>
+              <a:ea typeface="Calibri" panose="020F0502020204030204" pitchFamily="34" charset="0"/>
+              <a:cs typeface="Times New Roman" panose="02020603050405020304" pitchFamily="18" charset="0"/>
+            </a:endParaRPr>
           </a:p>
           <a:p>
             <a:pPr marL="342900" lvl="0" indent="-342900">
@@ -6923,14 +7067,20 @@
               <a:buChar char=""/>
             </a:pPr>
             <a:r>
-              <a:rPr lang="pt-BR" sz="1800" dirty="0">
+              <a:rPr lang="pt-BR" sz="1800" dirty="0" smtClean="0">
                 <a:effectLst/>
                 <a:latin typeface="Calibri" panose="020F0502020204030204" pitchFamily="34" charset="0"/>
                 <a:ea typeface="Calibri" panose="020F0502020204030204" pitchFamily="34" charset="0"/>
                 <a:cs typeface="Times New Roman" panose="02020603050405020304" pitchFamily="18" charset="0"/>
               </a:rPr>
-              <a:t>Portabilidade: Roda em qualquer plataforma</a:t>
-            </a:r>
+              <a:t>Confiabilidade do software</a:t>
+            </a:r>
+            <a:endParaRPr lang="pt-BR" sz="1800" dirty="0">
+              <a:effectLst/>
+              <a:latin typeface="Calibri" panose="020F0502020204030204" pitchFamily="34" charset="0"/>
+              <a:ea typeface="Calibri" panose="020F0502020204030204" pitchFamily="34" charset="0"/>
+              <a:cs typeface="Times New Roman" panose="02020603050405020304" pitchFamily="18" charset="0"/>
+            </a:endParaRPr>
           </a:p>
           <a:p>
             <a:pPr marL="342900" lvl="0" indent="-342900">
@@ -6941,14 +7091,38 @@
               <a:buChar char=""/>
             </a:pPr>
             <a:r>
+              <a:rPr lang="pt-BR" sz="1800" dirty="0" smtClean="0">
+                <a:effectLst/>
+                <a:latin typeface="Calibri" panose="020F0502020204030204" pitchFamily="34" charset="0"/>
+                <a:ea typeface="Calibri" panose="020F0502020204030204" pitchFamily="34" charset="0"/>
+                <a:cs typeface="Times New Roman" panose="02020603050405020304" pitchFamily="18" charset="0"/>
+              </a:rPr>
+              <a:t>O software terá uma facilidade </a:t>
+            </a:r>
+            <a:r>
               <a:rPr lang="pt-BR" sz="1800" dirty="0">
                 <a:effectLst/>
                 <a:latin typeface="Calibri" panose="020F0502020204030204" pitchFamily="34" charset="0"/>
                 <a:ea typeface="Calibri" panose="020F0502020204030204" pitchFamily="34" charset="0"/>
                 <a:cs typeface="Times New Roman" panose="02020603050405020304" pitchFamily="18" charset="0"/>
               </a:rPr>
-              <a:t>Tempo de execução </a:t>
-            </a:r>
+              <a:t>de </a:t>
+            </a:r>
+            <a:r>
+              <a:rPr lang="pt-BR" sz="1800" dirty="0" smtClean="0">
+                <a:effectLst/>
+                <a:latin typeface="Calibri" panose="020F0502020204030204" pitchFamily="34" charset="0"/>
+                <a:ea typeface="Calibri" panose="020F0502020204030204" pitchFamily="34" charset="0"/>
+                <a:cs typeface="Times New Roman" panose="02020603050405020304" pitchFamily="18" charset="0"/>
+              </a:rPr>
+              <a:t>uso</a:t>
+            </a:r>
+            <a:endParaRPr lang="pt-BR" sz="1800" dirty="0">
+              <a:effectLst/>
+              <a:latin typeface="Calibri" panose="020F0502020204030204" pitchFamily="34" charset="0"/>
+              <a:ea typeface="Calibri" panose="020F0502020204030204" pitchFamily="34" charset="0"/>
+              <a:cs typeface="Times New Roman" panose="02020603050405020304" pitchFamily="18" charset="0"/>
+            </a:endParaRPr>
           </a:p>
           <a:p>
             <a:pPr marL="342900" lvl="0" indent="-342900">
@@ -6959,50 +7133,19 @@
               <a:buChar char=""/>
             </a:pPr>
             <a:r>
-              <a:rPr lang="pt-BR" sz="1800" dirty="0">
-                <a:effectLst/>
+              <a:rPr lang="pt-BR" sz="1800" dirty="0" smtClean="0">
                 <a:latin typeface="Calibri" panose="020F0502020204030204" pitchFamily="34" charset="0"/>
                 <a:ea typeface="Calibri" panose="020F0502020204030204" pitchFamily="34" charset="0"/>
                 <a:cs typeface="Times New Roman" panose="02020603050405020304" pitchFamily="18" charset="0"/>
               </a:rPr>
-              <a:t>Confiabilidade</a:t>
-            </a:r>
-          </a:p>
-          <a:p>
-            <a:pPr marL="342900" lvl="0" indent="-342900">
-              <a:lnSpc>
-                <a:spcPct val="107000"/>
-              </a:lnSpc>
-              <a:buFont typeface="Symbol" panose="05050102010706020507" pitchFamily="18" charset="2"/>
-              <a:buChar char=""/>
-            </a:pPr>
-            <a:r>
-              <a:rPr lang="pt-BR" sz="1800" dirty="0">
-                <a:effectLst/>
-                <a:latin typeface="Calibri" panose="020F0502020204030204" pitchFamily="34" charset="0"/>
-                <a:ea typeface="Calibri" panose="020F0502020204030204" pitchFamily="34" charset="0"/>
-                <a:cs typeface="Times New Roman" panose="02020603050405020304" pitchFamily="18" charset="0"/>
-              </a:rPr>
-              <a:t>Facilidade de Uso</a:t>
-            </a:r>
-          </a:p>
-          <a:p>
-            <a:pPr marL="342900" lvl="0" indent="-342900">
-              <a:lnSpc>
-                <a:spcPct val="107000"/>
-              </a:lnSpc>
-              <a:buFont typeface="Symbol" panose="05050102010706020507" pitchFamily="18" charset="2"/>
-              <a:buChar char=""/>
-            </a:pPr>
-            <a:r>
-              <a:rPr lang="pt-BR" sz="1800" dirty="0">
-                <a:effectLst/>
-                <a:latin typeface="Calibri" panose="020F0502020204030204" pitchFamily="34" charset="0"/>
-                <a:ea typeface="Calibri" panose="020F0502020204030204" pitchFamily="34" charset="0"/>
-                <a:cs typeface="Times New Roman" panose="02020603050405020304" pitchFamily="18" charset="0"/>
-              </a:rPr>
-              <a:t>Tempo de permanência</a:t>
-            </a:r>
+              <a:t>Tempo mínimo de permanência do cliente</a:t>
+            </a:r>
+            <a:endParaRPr lang="pt-BR" sz="1800" dirty="0">
+              <a:effectLst/>
+              <a:latin typeface="Calibri" panose="020F0502020204030204" pitchFamily="34" charset="0"/>
+              <a:ea typeface="Calibri" panose="020F0502020204030204" pitchFamily="34" charset="0"/>
+              <a:cs typeface="Times New Roman" panose="02020603050405020304" pitchFamily="18" charset="0"/>
+            </a:endParaRPr>
           </a:p>
           <a:p>
             <a:pPr marL="342900" lvl="0" indent="-342900">
@@ -7016,14 +7159,19 @@
               <a:buChar char=""/>
             </a:pPr>
             <a:r>
-              <a:rPr lang="pt-BR" sz="1800" dirty="0">
-                <a:effectLst/>
+              <a:rPr lang="pt-BR" sz="1800" dirty="0" smtClean="0">
                 <a:latin typeface="Calibri" panose="020F0502020204030204" pitchFamily="34" charset="0"/>
                 <a:ea typeface="Calibri" panose="020F0502020204030204" pitchFamily="34" charset="0"/>
                 <a:cs typeface="Times New Roman" panose="02020603050405020304" pitchFamily="18" charset="0"/>
               </a:rPr>
-              <a:t>Sistema com LGPD </a:t>
-            </a:r>
+              <a:t>Agilidade e precisão ao cliente</a:t>
+            </a:r>
+            <a:endParaRPr lang="pt-BR" sz="1800" dirty="0">
+              <a:effectLst/>
+              <a:latin typeface="Calibri" panose="020F0502020204030204" pitchFamily="34" charset="0"/>
+              <a:ea typeface="Calibri" panose="020F0502020204030204" pitchFamily="34" charset="0"/>
+              <a:cs typeface="Times New Roman" panose="02020603050405020304" pitchFamily="18" charset="0"/>
+            </a:endParaRPr>
           </a:p>
           <a:p>
             <a:endParaRPr lang="pt-BR" dirty="0"/>
